--- a/DATASCIENCE_PHASE 1.pptx
+++ b/DATASCIENCE_PHASE 1.pptx
@@ -204,7 +204,7 @@
           <a:p>
             <a:fld id="{835DD8AD-234F-45B0-B5E0-1A074E0DF7E7}" type="datetimeFigureOut">
               <a:rPr lang="en-IN" smtClean="0"/>
-              <a:t>27-09-2023</a:t>
+              <a:t>11-10-2023</a:t>
             </a:fld>
             <a:endParaRPr lang="en-IN"/>
           </a:p>
@@ -621,7 +621,7 @@
           <a:p>
             <a:fld id="{B5F1C780-EFC0-4C9F-9B31-E3413400BA1F}" type="datetime1">
               <a:rPr lang="en-IN" smtClean="0"/>
-              <a:t>27-09-2023</a:t>
+              <a:t>11-10-2023</a:t>
             </a:fld>
             <a:endParaRPr lang="en-IN"/>
           </a:p>
@@ -821,7 +821,7 @@
           <a:p>
             <a:fld id="{A23B55B1-F2E2-4EF5-AB9E-49024FAA296B}" type="datetime1">
               <a:rPr lang="en-IN" smtClean="0"/>
-              <a:t>27-09-2023</a:t>
+              <a:t>11-10-2023</a:t>
             </a:fld>
             <a:endParaRPr lang="en-IN"/>
           </a:p>
@@ -1031,7 +1031,7 @@
           <a:p>
             <a:fld id="{826FFDE4-E1A4-4457-9BB0-BF6CF2C63D26}" type="datetime1">
               <a:rPr lang="en-IN" smtClean="0"/>
-              <a:t>27-09-2023</a:t>
+              <a:t>11-10-2023</a:t>
             </a:fld>
             <a:endParaRPr lang="en-IN"/>
           </a:p>
@@ -1279,7 +1279,7 @@
           <a:p>
             <a:fld id="{5EB8527E-B6D3-417F-9A18-C2A23F6ABC13}" type="datetime1">
               <a:rPr lang="en-IN" smtClean="0"/>
-              <a:t>27-09-2023</a:t>
+              <a:t>11-10-2023</a:t>
             </a:fld>
             <a:endParaRPr lang="en-IN"/>
           </a:p>
@@ -1769,7 +1769,7 @@
           <a:p>
             <a:fld id="{E8CE05CF-C3D3-4DE5-BCCE-0748584A93B0}" type="datetime1">
               <a:rPr lang="en-IN" smtClean="0"/>
-              <a:t>27-09-2023</a:t>
+              <a:t>11-10-2023</a:t>
             </a:fld>
             <a:endParaRPr lang="en-IN"/>
           </a:p>
@@ -2037,7 +2037,7 @@
           <a:p>
             <a:fld id="{6D820D1E-42B0-49BB-8CF0-ED41DA2306A3}" type="datetime1">
               <a:rPr lang="en-IN" smtClean="0"/>
-              <a:t>27-09-2023</a:t>
+              <a:t>11-10-2023</a:t>
             </a:fld>
             <a:endParaRPr lang="en-IN"/>
           </a:p>
@@ -2452,7 +2452,7 @@
           <a:p>
             <a:fld id="{57601C44-F210-4C52-9155-3358F89AF145}" type="datetime1">
               <a:rPr lang="en-IN" smtClean="0"/>
-              <a:t>27-09-2023</a:t>
+              <a:t>11-10-2023</a:t>
             </a:fld>
             <a:endParaRPr lang="en-IN"/>
           </a:p>
@@ -2594,7 +2594,7 @@
           <a:p>
             <a:fld id="{F6D625E6-4E83-435B-89D3-1CFFE824C315}" type="datetime1">
               <a:rPr lang="en-IN" smtClean="0"/>
-              <a:t>27-09-2023</a:t>
+              <a:t>11-10-2023</a:t>
             </a:fld>
             <a:endParaRPr lang="en-IN"/>
           </a:p>
@@ -2707,7 +2707,7 @@
           <a:p>
             <a:fld id="{63FD5D87-9BE3-48F4-AF45-8EB0EDD5A58D}" type="datetime1">
               <a:rPr lang="en-IN" smtClean="0"/>
-              <a:t>27-09-2023</a:t>
+              <a:t>11-10-2023</a:t>
             </a:fld>
             <a:endParaRPr lang="en-IN"/>
           </a:p>
@@ -3020,7 +3020,7 @@
           <a:p>
             <a:fld id="{B3FA61BD-3E18-46C9-9DB7-529E79145266}" type="datetime1">
               <a:rPr lang="en-IN" smtClean="0"/>
-              <a:t>27-09-2023</a:t>
+              <a:t>11-10-2023</a:t>
             </a:fld>
             <a:endParaRPr lang="en-IN"/>
           </a:p>
@@ -3309,7 +3309,7 @@
           <a:p>
             <a:fld id="{F4F3B556-C33D-46C1-BDD7-58009BBF0557}" type="datetime1">
               <a:rPr lang="en-IN" smtClean="0"/>
-              <a:t>27-09-2023</a:t>
+              <a:t>11-10-2023</a:t>
             </a:fld>
             <a:endParaRPr lang="en-IN"/>
           </a:p>
@@ -3552,7 +3552,7 @@
           <a:p>
             <a:fld id="{361FA373-8FE0-4558-933F-AC912509719B}" type="datetime1">
               <a:rPr lang="en-IN" smtClean="0"/>
-              <a:t>27-09-2023</a:t>
+              <a:t>11-10-2023</a:t>
             </a:fld>
             <a:endParaRPr lang="en-IN"/>
           </a:p>
@@ -4109,7 +4109,7 @@
           </a:p>
           <a:p>
             <a:r>
-              <a:rPr lang="en-GB" dirty="0">
+              <a:rPr lang="en-GB">
                 <a:effectLst>
                   <a:outerShdw blurRad="38100" dist="38100" dir="2700000" algn="tl">
                     <a:srgbClr val="000000">
@@ -4120,8 +4120,19 @@
                 <a:latin typeface="Cambria" panose="02040503050406030204" pitchFamily="18" charset="0"/>
                 <a:ea typeface="Cambria" panose="02040503050406030204" pitchFamily="18" charset="0"/>
               </a:rPr>
-              <a:t>G. Balasurya </a:t>
-            </a:r>
+              <a:t>N ARISTATILE </a:t>
+            </a:r>
+            <a:endParaRPr lang="en-GB" dirty="0">
+              <a:effectLst>
+                <a:outerShdw blurRad="38100" dist="38100" dir="2700000" algn="tl">
+                  <a:srgbClr val="000000">
+                    <a:alpha val="43137"/>
+                  </a:srgbClr>
+                </a:outerShdw>
+              </a:effectLst>
+              <a:latin typeface="Cambria" panose="02040503050406030204" pitchFamily="18" charset="0"/>
+              <a:ea typeface="Cambria" panose="02040503050406030204" pitchFamily="18" charset="0"/>
+            </a:endParaRPr>
           </a:p>
           <a:p>
             <a:r>
